--- a/Slide thuyết trình - CoPC.pptx
+++ b/Slide thuyết trình - CoPC.pptx
@@ -252,7 +252,7 @@
           <a:p>
             <a:fld id="{09BDE8B1-F098-4359-8C21-3A4FD0B14BCD}" type="datetimeFigureOut">
               <a:rPr lang="en-US" smtClean="0"/>
-              <a:t>7/4/2021</a:t>
+              <a:t>7/10/2021</a:t>
             </a:fld>
             <a:endParaRPr lang="en-US"/>
           </a:p>
@@ -422,7 +422,7 @@
           <a:p>
             <a:fld id="{09BDE8B1-F098-4359-8C21-3A4FD0B14BCD}" type="datetimeFigureOut">
               <a:rPr lang="en-US" smtClean="0"/>
-              <a:t>7/4/2021</a:t>
+              <a:t>7/10/2021</a:t>
             </a:fld>
             <a:endParaRPr lang="en-US"/>
           </a:p>
@@ -602,7 +602,7 @@
           <a:p>
             <a:fld id="{09BDE8B1-F098-4359-8C21-3A4FD0B14BCD}" type="datetimeFigureOut">
               <a:rPr lang="en-US" smtClean="0"/>
-              <a:t>7/4/2021</a:t>
+              <a:t>7/10/2021</a:t>
             </a:fld>
             <a:endParaRPr lang="en-US"/>
           </a:p>
@@ -2464,7 +2464,7 @@
           <a:p>
             <a:fld id="{09BDE8B1-F098-4359-8C21-3A4FD0B14BCD}" type="datetimeFigureOut">
               <a:rPr lang="en-US" smtClean="0"/>
-              <a:t>7/4/2021</a:t>
+              <a:t>7/10/2021</a:t>
             </a:fld>
             <a:endParaRPr lang="en-US"/>
           </a:p>
@@ -6962,7 +6962,7 @@
           <a:p>
             <a:fld id="{09BDE8B1-F098-4359-8C21-3A4FD0B14BCD}" type="datetimeFigureOut">
               <a:rPr lang="en-US" smtClean="0"/>
-              <a:t>7/4/2021</a:t>
+              <a:t>7/10/2021</a:t>
             </a:fld>
             <a:endParaRPr lang="en-US"/>
           </a:p>
@@ -7194,7 +7194,7 @@
           <a:p>
             <a:fld id="{09BDE8B1-F098-4359-8C21-3A4FD0B14BCD}" type="datetimeFigureOut">
               <a:rPr lang="en-US" smtClean="0"/>
-              <a:t>7/4/2021</a:t>
+              <a:t>7/10/2021</a:t>
             </a:fld>
             <a:endParaRPr lang="en-US"/>
           </a:p>
@@ -7561,7 +7561,7 @@
           <a:p>
             <a:fld id="{09BDE8B1-F098-4359-8C21-3A4FD0B14BCD}" type="datetimeFigureOut">
               <a:rPr lang="en-US" smtClean="0"/>
-              <a:t>7/4/2021</a:t>
+              <a:t>7/10/2021</a:t>
             </a:fld>
             <a:endParaRPr lang="en-US"/>
           </a:p>
@@ -7679,7 +7679,7 @@
           <a:p>
             <a:fld id="{09BDE8B1-F098-4359-8C21-3A4FD0B14BCD}" type="datetimeFigureOut">
               <a:rPr lang="en-US" smtClean="0"/>
-              <a:t>7/4/2021</a:t>
+              <a:t>7/10/2021</a:t>
             </a:fld>
             <a:endParaRPr lang="en-US"/>
           </a:p>
@@ -7774,7 +7774,7 @@
           <a:p>
             <a:fld id="{09BDE8B1-F098-4359-8C21-3A4FD0B14BCD}" type="datetimeFigureOut">
               <a:rPr lang="en-US" smtClean="0"/>
-              <a:t>7/4/2021</a:t>
+              <a:t>7/10/2021</a:t>
             </a:fld>
             <a:endParaRPr lang="en-US"/>
           </a:p>
@@ -8051,7 +8051,7 @@
           <a:p>
             <a:fld id="{09BDE8B1-F098-4359-8C21-3A4FD0B14BCD}" type="datetimeFigureOut">
               <a:rPr lang="en-US" smtClean="0"/>
-              <a:t>7/4/2021</a:t>
+              <a:t>7/10/2021</a:t>
             </a:fld>
             <a:endParaRPr lang="en-US"/>
           </a:p>
@@ -8304,7 +8304,7 @@
           <a:p>
             <a:fld id="{09BDE8B1-F098-4359-8C21-3A4FD0B14BCD}" type="datetimeFigureOut">
               <a:rPr lang="en-US" smtClean="0"/>
-              <a:t>7/4/2021</a:t>
+              <a:t>7/10/2021</a:t>
             </a:fld>
             <a:endParaRPr lang="en-US"/>
           </a:p>
@@ -8517,7 +8517,7 @@
           <a:p>
             <a:fld id="{09BDE8B1-F098-4359-8C21-3A4FD0B14BCD}" type="datetimeFigureOut">
               <a:rPr lang="en-US" smtClean="0"/>
-              <a:t>7/4/2021</a:t>
+              <a:t>7/10/2021</a:t>
             </a:fld>
             <a:endParaRPr lang="en-US"/>
           </a:p>
@@ -10472,8 +10472,8 @@
                 </p:nvSpPr>
                 <p:spPr bwMode="auto">
                   <a:xfrm>
-                    <a:off x="3667250" y="1186852"/>
-                    <a:ext cx="4752528" cy="450597"/>
+                    <a:off x="3667250" y="1209188"/>
+                    <a:ext cx="4752528" cy="405925"/>
                   </a:xfrm>
                   <a:prstGeom prst="rect">
                     <a:avLst/>
@@ -10608,7 +10608,19 @@
                         <a:latin typeface="Times New Roman" panose="02020603050405020304" pitchFamily="18" charset="0"/>
                         <a:cs typeface="Times New Roman" panose="02020603050405020304" pitchFamily="18" charset="0"/>
                       </a:rPr>
-                      <a:t>PHẦN MỀM HỖ TRỢ</a:t>
+                      <a:t>PHẦN </a:t>
+                    </a:r>
+                    <a:r>
+                      <a:rPr lang="en-US" altLang="ko-KR" sz="2400" b="1" dirty="0" smtClean="0">
+                        <a:solidFill>
+                          <a:srgbClr val="1F497D">
+                            <a:lumMod val="50000"/>
+                          </a:srgbClr>
+                        </a:solidFill>
+                        <a:latin typeface="Times New Roman" panose="02020603050405020304" pitchFamily="18" charset="0"/>
+                        <a:cs typeface="Times New Roman" panose="02020603050405020304" pitchFamily="18" charset="0"/>
+                      </a:rPr>
+                      <a:t>MỀM</a:t>
                     </a:r>
                     <a:endParaRPr lang="en-US" altLang="ko-KR" sz="2400" b="1" dirty="0">
                       <a:solidFill>
@@ -16182,11 +16194,11 @@
   <p:clrMapOvr>
     <a:masterClrMapping/>
   </p:clrMapOvr>
-  <mc:AlternateContent xmlns:mc="http://schemas.openxmlformats.org/markup-compatibility/2006">
-    <mc:Choice xmlns:p14="http://schemas.microsoft.com/office/powerpoint/2010/main" Requires="p14">
+  <mc:AlternateContent xmlns:mc="http://schemas.openxmlformats.org/markup-compatibility/2006" xmlns:p14="http://schemas.microsoft.com/office/powerpoint/2010/main">
+    <mc:Choice Requires="p14">
       <p:transition p14:dur="0"/>
     </mc:Choice>
-    <mc:Fallback>
+    <mc:Fallback xmlns="">
       <p:transition/>
     </mc:Fallback>
   </mc:AlternateContent>
@@ -16673,7 +16685,19 @@
                 <a:latin typeface="Times New Roman" panose="02020603050405020304" pitchFamily="18" charset="0"/>
                 <a:cs typeface="Times New Roman" panose="02020603050405020304" pitchFamily="18" charset="0"/>
               </a:rPr>
-              <a:t>PHẦN MỀM HỖ TRỢ</a:t>
+              <a:t>PHẦN </a:t>
+            </a:r>
+            <a:r>
+              <a:rPr lang="en-US" altLang="ko-KR" sz="2400" b="1" dirty="0" smtClean="0">
+                <a:solidFill>
+                  <a:srgbClr val="1F497D">
+                    <a:lumMod val="50000"/>
+                  </a:srgbClr>
+                </a:solidFill>
+                <a:latin typeface="Times New Roman" panose="02020603050405020304" pitchFamily="18" charset="0"/>
+                <a:cs typeface="Times New Roman" panose="02020603050405020304" pitchFamily="18" charset="0"/>
+              </a:rPr>
+              <a:t>MỀM</a:t>
             </a:r>
             <a:endParaRPr lang="en-US" altLang="ko-KR" sz="2400" b="1" dirty="0">
               <a:solidFill>
